--- a/M2/Skill/6-Giflow/6 Gitflow.pptx
+++ b/M2/Skill/6-Giflow/6 Gitflow.pptx
@@ -13,6 +13,7 @@
     <p:sldId id="261" r:id="rId7"/>
     <p:sldId id="262" r:id="rId8"/>
     <p:sldId id="263" r:id="rId9"/>
+    <p:sldId id="266" r:id="rId10"/>
   </p:sldIdLst>
   <p:sldSz cx="12192000" cy="6858000"/>
   <p:notesSz cx="6858000" cy="9144000"/>
@@ -266,7 +267,7 @@
           <a:p>
             <a:fld id="{545DE63F-B6A1-4286-98E5-30D0A12D3C8D}" type="datetimeFigureOut">
               <a:rPr lang="nl-NL" smtClean="0"/>
-              <a:t>8-12-2024</a:t>
+              <a:t>7-1-2025</a:t>
             </a:fld>
             <a:endParaRPr lang="nl-NL"/>
           </a:p>
@@ -464,7 +465,7 @@
           <a:p>
             <a:fld id="{545DE63F-B6A1-4286-98E5-30D0A12D3C8D}" type="datetimeFigureOut">
               <a:rPr lang="nl-NL" smtClean="0"/>
-              <a:t>8-12-2024</a:t>
+              <a:t>7-1-2025</a:t>
             </a:fld>
             <a:endParaRPr lang="nl-NL"/>
           </a:p>
@@ -672,7 +673,7 @@
           <a:p>
             <a:fld id="{545DE63F-B6A1-4286-98E5-30D0A12D3C8D}" type="datetimeFigureOut">
               <a:rPr lang="nl-NL" smtClean="0"/>
-              <a:t>8-12-2024</a:t>
+              <a:t>7-1-2025</a:t>
             </a:fld>
             <a:endParaRPr lang="nl-NL"/>
           </a:p>
@@ -870,7 +871,7 @@
           <a:p>
             <a:fld id="{545DE63F-B6A1-4286-98E5-30D0A12D3C8D}" type="datetimeFigureOut">
               <a:rPr lang="nl-NL" smtClean="0"/>
-              <a:t>8-12-2024</a:t>
+              <a:t>7-1-2025</a:t>
             </a:fld>
             <a:endParaRPr lang="nl-NL"/>
           </a:p>
@@ -1145,7 +1146,7 @@
           <a:p>
             <a:fld id="{545DE63F-B6A1-4286-98E5-30D0A12D3C8D}" type="datetimeFigureOut">
               <a:rPr lang="nl-NL" smtClean="0"/>
-              <a:t>8-12-2024</a:t>
+              <a:t>7-1-2025</a:t>
             </a:fld>
             <a:endParaRPr lang="nl-NL"/>
           </a:p>
@@ -1410,7 +1411,7 @@
           <a:p>
             <a:fld id="{545DE63F-B6A1-4286-98E5-30D0A12D3C8D}" type="datetimeFigureOut">
               <a:rPr lang="nl-NL" smtClean="0"/>
-              <a:t>8-12-2024</a:t>
+              <a:t>7-1-2025</a:t>
             </a:fld>
             <a:endParaRPr lang="nl-NL"/>
           </a:p>
@@ -1822,7 +1823,7 @@
           <a:p>
             <a:fld id="{545DE63F-B6A1-4286-98E5-30D0A12D3C8D}" type="datetimeFigureOut">
               <a:rPr lang="nl-NL" smtClean="0"/>
-              <a:t>8-12-2024</a:t>
+              <a:t>7-1-2025</a:t>
             </a:fld>
             <a:endParaRPr lang="nl-NL"/>
           </a:p>
@@ -1963,7 +1964,7 @@
           <a:p>
             <a:fld id="{545DE63F-B6A1-4286-98E5-30D0A12D3C8D}" type="datetimeFigureOut">
               <a:rPr lang="nl-NL" smtClean="0"/>
-              <a:t>8-12-2024</a:t>
+              <a:t>7-1-2025</a:t>
             </a:fld>
             <a:endParaRPr lang="nl-NL"/>
           </a:p>
@@ -2076,7 +2077,7 @@
           <a:p>
             <a:fld id="{545DE63F-B6A1-4286-98E5-30D0A12D3C8D}" type="datetimeFigureOut">
               <a:rPr lang="nl-NL" smtClean="0"/>
-              <a:t>8-12-2024</a:t>
+              <a:t>7-1-2025</a:t>
             </a:fld>
             <a:endParaRPr lang="nl-NL"/>
           </a:p>
@@ -2387,7 +2388,7 @@
           <a:p>
             <a:fld id="{545DE63F-B6A1-4286-98E5-30D0A12D3C8D}" type="datetimeFigureOut">
               <a:rPr lang="nl-NL" smtClean="0"/>
-              <a:t>8-12-2024</a:t>
+              <a:t>7-1-2025</a:t>
             </a:fld>
             <a:endParaRPr lang="nl-NL"/>
           </a:p>
@@ -2675,7 +2676,7 @@
           <a:p>
             <a:fld id="{545DE63F-B6A1-4286-98E5-30D0A12D3C8D}" type="datetimeFigureOut">
               <a:rPr lang="nl-NL" smtClean="0"/>
-              <a:t>8-12-2024</a:t>
+              <a:t>7-1-2025</a:t>
             </a:fld>
             <a:endParaRPr lang="nl-NL"/>
           </a:p>
@@ -2916,7 +2917,7 @@
           <a:p>
             <a:fld id="{545DE63F-B6A1-4286-98E5-30D0A12D3C8D}" type="datetimeFigureOut">
               <a:rPr lang="nl-NL" smtClean="0"/>
-              <a:t>8-12-2024</a:t>
+              <a:t>7-1-2025</a:t>
             </a:fld>
             <a:endParaRPr lang="nl-NL"/>
           </a:p>
@@ -3667,7 +3668,19 @@
           <a:p>
             <a:r>
               <a:rPr lang="en-US" dirty="0"/>
-              <a:t>The Main Branch</a:t>
+              <a:t>The </a:t>
+            </a:r>
+            <a:r>
+              <a:rPr lang="en-US" dirty="0">
+                <a:solidFill>
+                  <a:srgbClr val="FF0000"/>
+                </a:solidFill>
+              </a:rPr>
+              <a:t>Main</a:t>
+            </a:r>
+            <a:r>
+              <a:rPr lang="en-US" dirty="0"/>
+              <a:t> Branch</a:t>
             </a:r>
             <a:endParaRPr lang="nl-NL" dirty="0"/>
           </a:p>
@@ -3759,8 +3772,16 @@
           <a:lstStyle/>
           <a:p>
             <a:r>
+              <a:rPr lang="en-US" dirty="0">
+                <a:solidFill>
+                  <a:srgbClr val="FF0000"/>
+                </a:solidFill>
+              </a:rPr>
+              <a:t>Develop</a:t>
+            </a:r>
+            <a:r>
               <a:rPr lang="en-US" dirty="0"/>
-              <a:t>Develop Branch</a:t>
+              <a:t> Branch</a:t>
             </a:r>
             <a:endParaRPr lang="nl-NL" dirty="0"/>
           </a:p>
@@ -3861,7 +3882,19 @@
           <a:p>
             <a:r>
               <a:rPr lang="en-US" dirty="0"/>
-              <a:t>De Feature Branch </a:t>
+              <a:t>De </a:t>
+            </a:r>
+            <a:r>
+              <a:rPr lang="en-US" dirty="0">
+                <a:solidFill>
+                  <a:srgbClr val="FF0000"/>
+                </a:solidFill>
+              </a:rPr>
+              <a:t>Feature</a:t>
+            </a:r>
+            <a:r>
+              <a:rPr lang="en-US" dirty="0"/>
+              <a:t> Branch </a:t>
             </a:r>
             <a:endParaRPr lang="nl-NL" dirty="0"/>
           </a:p>
@@ -4118,10 +4151,18 @@
               <a:t>De </a:t>
             </a:r>
             <a:r>
-              <a:rPr lang="en-US"/>
-              <a:t>hotfix Branch</a:t>
-            </a:r>
-            <a:endParaRPr lang="nl-NL"/>
+              <a:rPr lang="en-US" dirty="0">
+                <a:solidFill>
+                  <a:srgbClr val="FF0000"/>
+                </a:solidFill>
+              </a:rPr>
+              <a:t>hotfix</a:t>
+            </a:r>
+            <a:r>
+              <a:rPr lang="en-US" dirty="0"/>
+              <a:t> Branch</a:t>
+            </a:r>
+            <a:endParaRPr lang="nl-NL" dirty="0"/>
           </a:p>
         </p:txBody>
       </p:sp>
@@ -4217,6 +4258,98 @@
     <p:extLst>
       <p:ext uri="{BB962C8B-B14F-4D97-AF65-F5344CB8AC3E}">
         <p14:creationId xmlns:p14="http://schemas.microsoft.com/office/powerpoint/2010/main" val="1635346009"/>
+      </p:ext>
+    </p:extLst>
+  </p:cSld>
+  <p:clrMapOvr>
+    <a:masterClrMapping/>
+  </p:clrMapOvr>
+</p:sld>
+</file>
+
+<file path=ppt/slides/slide9.xml><?xml version="1.0" encoding="utf-8"?>
+<p:sld xmlns:a="http://schemas.openxmlformats.org/drawingml/2006/main" xmlns:r="http://schemas.openxmlformats.org/officeDocument/2006/relationships" xmlns:p="http://schemas.openxmlformats.org/presentationml/2006/main">
+  <p:cSld>
+    <p:spTree>
+      <p:nvGrpSpPr>
+        <p:cNvPr id="1" name=""/>
+        <p:cNvGrpSpPr/>
+        <p:nvPr/>
+      </p:nvGrpSpPr>
+      <p:grpSpPr>
+        <a:xfrm>
+          <a:off x="0" y="0"/>
+          <a:ext cx="0" cy="0"/>
+          <a:chOff x="0" y="0"/>
+          <a:chExt cx="0" cy="0"/>
+        </a:xfrm>
+      </p:grpSpPr>
+      <p:sp>
+        <p:nvSpPr>
+          <p:cNvPr id="2" name="Titel 1">
+            <a:extLst>
+              <a:ext uri="{FF2B5EF4-FFF2-40B4-BE49-F238E27FC236}">
+                <a16:creationId xmlns:a16="http://schemas.microsoft.com/office/drawing/2014/main" id="{0A6044B4-51E0-126A-7050-6A453AE14730}"/>
+              </a:ext>
+            </a:extLst>
+          </p:cNvPr>
+          <p:cNvSpPr>
+            <a:spLocks noGrp="1"/>
+          </p:cNvSpPr>
+          <p:nvPr>
+            <p:ph type="title"/>
+          </p:nvPr>
+        </p:nvSpPr>
+        <p:spPr/>
+        <p:txBody>
+          <a:bodyPr/>
+          <a:lstStyle/>
+          <a:p>
+            <a:r>
+              <a:rPr lang="en-US" dirty="0" err="1"/>
+              <a:t>Opdracht</a:t>
+            </a:r>
+            <a:r>
+              <a:rPr lang="en-US" dirty="0"/>
+              <a:t> </a:t>
+            </a:r>
+            <a:r>
+              <a:rPr lang="en-US" dirty="0" err="1"/>
+              <a:t>Gitflow</a:t>
+            </a:r>
+            <a:endParaRPr lang="nl-NL" dirty="0"/>
+          </a:p>
+        </p:txBody>
+      </p:sp>
+      <p:sp>
+        <p:nvSpPr>
+          <p:cNvPr id="3" name="Tijdelijke aanduiding voor tekst 2">
+            <a:extLst>
+              <a:ext uri="{FF2B5EF4-FFF2-40B4-BE49-F238E27FC236}">
+                <a16:creationId xmlns:a16="http://schemas.microsoft.com/office/drawing/2014/main" id="{7E1202B8-7B7E-5BCC-31B1-E466D1B76D36}"/>
+              </a:ext>
+            </a:extLst>
+          </p:cNvPr>
+          <p:cNvSpPr>
+            <a:spLocks noGrp="1"/>
+          </p:cNvSpPr>
+          <p:nvPr>
+            <p:ph type="body" idx="1"/>
+          </p:nvPr>
+        </p:nvSpPr>
+        <p:spPr/>
+        <p:txBody>
+          <a:bodyPr/>
+          <a:lstStyle/>
+          <a:p>
+            <a:endParaRPr lang="nl-NL"/>
+          </a:p>
+        </p:txBody>
+      </p:sp>
+    </p:spTree>
+    <p:extLst>
+      <p:ext uri="{BB962C8B-B14F-4D97-AF65-F5344CB8AC3E}">
+        <p14:creationId xmlns:p14="http://schemas.microsoft.com/office/powerpoint/2010/main" val="3826218826"/>
       </p:ext>
     </p:extLst>
   </p:cSld>

--- a/M2/Skill/6-Giflow/6 Gitflow.pptx
+++ b/M2/Skill/6-Giflow/6 Gitflow.pptx
@@ -4342,7 +4342,13 @@
           <a:bodyPr/>
           <a:lstStyle/>
           <a:p>
-            <a:endParaRPr lang="nl-NL"/>
+            <a:r>
+              <a:rPr lang="nl-NL" dirty="0">
+                <a:hlinkClick r:id="rId2"/>
+              </a:rPr>
+              <a:t>Click hier voor de opdracht</a:t>
+            </a:r>
+            <a:endParaRPr lang="nl-NL" dirty="0"/>
           </a:p>
         </p:txBody>
       </p:sp>

--- a/M2/Skill/6-Giflow/6 Gitflow.pptx
+++ b/M2/Skill/6-Giflow/6 Gitflow.pptx
@@ -14,6 +14,7 @@
     <p:sldId id="262" r:id="rId8"/>
     <p:sldId id="263" r:id="rId9"/>
     <p:sldId id="266" r:id="rId10"/>
+    <p:sldId id="267" r:id="rId11"/>
   </p:sldIdLst>
   <p:sldSz cx="12192000" cy="6858000"/>
   <p:notesSz cx="6858000" cy="9144000"/>
@@ -267,7 +268,7 @@
           <a:p>
             <a:fld id="{545DE63F-B6A1-4286-98E5-30D0A12D3C8D}" type="datetimeFigureOut">
               <a:rPr lang="nl-NL" smtClean="0"/>
-              <a:t>7-1-2025</a:t>
+              <a:t>14-01-2025</a:t>
             </a:fld>
             <a:endParaRPr lang="nl-NL"/>
           </a:p>
@@ -321,7 +322,7 @@
           <a:p>
             <a:fld id="{D108F25D-CB0B-4DCB-B2CB-040B5AFE7CE3}" type="slidenum">
               <a:rPr lang="nl-NL" smtClean="0"/>
-              <a:t>‹nr.›</a:t>
+              <a:t>‹#›</a:t>
             </a:fld>
             <a:endParaRPr lang="nl-NL"/>
           </a:p>
@@ -465,7 +466,7 @@
           <a:p>
             <a:fld id="{545DE63F-B6A1-4286-98E5-30D0A12D3C8D}" type="datetimeFigureOut">
               <a:rPr lang="nl-NL" smtClean="0"/>
-              <a:t>7-1-2025</a:t>
+              <a:t>14-01-2025</a:t>
             </a:fld>
             <a:endParaRPr lang="nl-NL"/>
           </a:p>
@@ -519,7 +520,7 @@
           <a:p>
             <a:fld id="{D108F25D-CB0B-4DCB-B2CB-040B5AFE7CE3}" type="slidenum">
               <a:rPr lang="nl-NL" smtClean="0"/>
-              <a:t>‹nr.›</a:t>
+              <a:t>‹#›</a:t>
             </a:fld>
             <a:endParaRPr lang="nl-NL"/>
           </a:p>
@@ -673,7 +674,7 @@
           <a:p>
             <a:fld id="{545DE63F-B6A1-4286-98E5-30D0A12D3C8D}" type="datetimeFigureOut">
               <a:rPr lang="nl-NL" smtClean="0"/>
-              <a:t>7-1-2025</a:t>
+              <a:t>14-01-2025</a:t>
             </a:fld>
             <a:endParaRPr lang="nl-NL"/>
           </a:p>
@@ -727,7 +728,7 @@
           <a:p>
             <a:fld id="{D108F25D-CB0B-4DCB-B2CB-040B5AFE7CE3}" type="slidenum">
               <a:rPr lang="nl-NL" smtClean="0"/>
-              <a:t>‹nr.›</a:t>
+              <a:t>‹#›</a:t>
             </a:fld>
             <a:endParaRPr lang="nl-NL"/>
           </a:p>
@@ -871,7 +872,7 @@
           <a:p>
             <a:fld id="{545DE63F-B6A1-4286-98E5-30D0A12D3C8D}" type="datetimeFigureOut">
               <a:rPr lang="nl-NL" smtClean="0"/>
-              <a:t>7-1-2025</a:t>
+              <a:t>14-01-2025</a:t>
             </a:fld>
             <a:endParaRPr lang="nl-NL"/>
           </a:p>
@@ -925,7 +926,7 @@
           <a:p>
             <a:fld id="{D108F25D-CB0B-4DCB-B2CB-040B5AFE7CE3}" type="slidenum">
               <a:rPr lang="nl-NL" smtClean="0"/>
-              <a:t>‹nr.›</a:t>
+              <a:t>‹#›</a:t>
             </a:fld>
             <a:endParaRPr lang="nl-NL"/>
           </a:p>
@@ -1146,7 +1147,7 @@
           <a:p>
             <a:fld id="{545DE63F-B6A1-4286-98E5-30D0A12D3C8D}" type="datetimeFigureOut">
               <a:rPr lang="nl-NL" smtClean="0"/>
-              <a:t>7-1-2025</a:t>
+              <a:t>14-01-2025</a:t>
             </a:fld>
             <a:endParaRPr lang="nl-NL"/>
           </a:p>
@@ -1200,7 +1201,7 @@
           <a:p>
             <a:fld id="{D108F25D-CB0B-4DCB-B2CB-040B5AFE7CE3}" type="slidenum">
               <a:rPr lang="nl-NL" smtClean="0"/>
-              <a:t>‹nr.›</a:t>
+              <a:t>‹#›</a:t>
             </a:fld>
             <a:endParaRPr lang="nl-NL"/>
           </a:p>
@@ -1411,7 +1412,7 @@
           <a:p>
             <a:fld id="{545DE63F-B6A1-4286-98E5-30D0A12D3C8D}" type="datetimeFigureOut">
               <a:rPr lang="nl-NL" smtClean="0"/>
-              <a:t>7-1-2025</a:t>
+              <a:t>14-01-2025</a:t>
             </a:fld>
             <a:endParaRPr lang="nl-NL"/>
           </a:p>
@@ -1465,7 +1466,7 @@
           <a:p>
             <a:fld id="{D108F25D-CB0B-4DCB-B2CB-040B5AFE7CE3}" type="slidenum">
               <a:rPr lang="nl-NL" smtClean="0"/>
-              <a:t>‹nr.›</a:t>
+              <a:t>‹#›</a:t>
             </a:fld>
             <a:endParaRPr lang="nl-NL"/>
           </a:p>
@@ -1823,7 +1824,7 @@
           <a:p>
             <a:fld id="{545DE63F-B6A1-4286-98E5-30D0A12D3C8D}" type="datetimeFigureOut">
               <a:rPr lang="nl-NL" smtClean="0"/>
-              <a:t>7-1-2025</a:t>
+              <a:t>14-01-2025</a:t>
             </a:fld>
             <a:endParaRPr lang="nl-NL"/>
           </a:p>
@@ -1877,7 +1878,7 @@
           <a:p>
             <a:fld id="{D108F25D-CB0B-4DCB-B2CB-040B5AFE7CE3}" type="slidenum">
               <a:rPr lang="nl-NL" smtClean="0"/>
-              <a:t>‹nr.›</a:t>
+              <a:t>‹#›</a:t>
             </a:fld>
             <a:endParaRPr lang="nl-NL"/>
           </a:p>
@@ -1964,7 +1965,7 @@
           <a:p>
             <a:fld id="{545DE63F-B6A1-4286-98E5-30D0A12D3C8D}" type="datetimeFigureOut">
               <a:rPr lang="nl-NL" smtClean="0"/>
-              <a:t>7-1-2025</a:t>
+              <a:t>14-01-2025</a:t>
             </a:fld>
             <a:endParaRPr lang="nl-NL"/>
           </a:p>
@@ -2018,7 +2019,7 @@
           <a:p>
             <a:fld id="{D108F25D-CB0B-4DCB-B2CB-040B5AFE7CE3}" type="slidenum">
               <a:rPr lang="nl-NL" smtClean="0"/>
-              <a:t>‹nr.›</a:t>
+              <a:t>‹#›</a:t>
             </a:fld>
             <a:endParaRPr lang="nl-NL"/>
           </a:p>
@@ -2077,7 +2078,7 @@
           <a:p>
             <a:fld id="{545DE63F-B6A1-4286-98E5-30D0A12D3C8D}" type="datetimeFigureOut">
               <a:rPr lang="nl-NL" smtClean="0"/>
-              <a:t>7-1-2025</a:t>
+              <a:t>14-01-2025</a:t>
             </a:fld>
             <a:endParaRPr lang="nl-NL"/>
           </a:p>
@@ -2131,7 +2132,7 @@
           <a:p>
             <a:fld id="{D108F25D-CB0B-4DCB-B2CB-040B5AFE7CE3}" type="slidenum">
               <a:rPr lang="nl-NL" smtClean="0"/>
-              <a:t>‹nr.›</a:t>
+              <a:t>‹#›</a:t>
             </a:fld>
             <a:endParaRPr lang="nl-NL"/>
           </a:p>
@@ -2388,7 +2389,7 @@
           <a:p>
             <a:fld id="{545DE63F-B6A1-4286-98E5-30D0A12D3C8D}" type="datetimeFigureOut">
               <a:rPr lang="nl-NL" smtClean="0"/>
-              <a:t>7-1-2025</a:t>
+              <a:t>14-01-2025</a:t>
             </a:fld>
             <a:endParaRPr lang="nl-NL"/>
           </a:p>
@@ -2442,7 +2443,7 @@
           <a:p>
             <a:fld id="{D108F25D-CB0B-4DCB-B2CB-040B5AFE7CE3}" type="slidenum">
               <a:rPr lang="nl-NL" smtClean="0"/>
-              <a:t>‹nr.›</a:t>
+              <a:t>‹#›</a:t>
             </a:fld>
             <a:endParaRPr lang="nl-NL"/>
           </a:p>
@@ -2676,7 +2677,7 @@
           <a:p>
             <a:fld id="{545DE63F-B6A1-4286-98E5-30D0A12D3C8D}" type="datetimeFigureOut">
               <a:rPr lang="nl-NL" smtClean="0"/>
-              <a:t>7-1-2025</a:t>
+              <a:t>14-01-2025</a:t>
             </a:fld>
             <a:endParaRPr lang="nl-NL"/>
           </a:p>
@@ -2730,7 +2731,7 @@
           <a:p>
             <a:fld id="{D108F25D-CB0B-4DCB-B2CB-040B5AFE7CE3}" type="slidenum">
               <a:rPr lang="nl-NL" smtClean="0"/>
-              <a:t>‹nr.›</a:t>
+              <a:t>‹#›</a:t>
             </a:fld>
             <a:endParaRPr lang="nl-NL"/>
           </a:p>
@@ -2917,7 +2918,7 @@
           <a:p>
             <a:fld id="{545DE63F-B6A1-4286-98E5-30D0A12D3C8D}" type="datetimeFigureOut">
               <a:rPr lang="nl-NL" smtClean="0"/>
-              <a:t>7-1-2025</a:t>
+              <a:t>14-01-2025</a:t>
             </a:fld>
             <a:endParaRPr lang="nl-NL"/>
           </a:p>
@@ -3007,7 +3008,7 @@
           <a:p>
             <a:fld id="{D108F25D-CB0B-4DCB-B2CB-040B5AFE7CE3}" type="slidenum">
               <a:rPr lang="nl-NL" smtClean="0"/>
-              <a:t>‹nr.›</a:t>
+              <a:t>‹#›</a:t>
             </a:fld>
             <a:endParaRPr lang="nl-NL"/>
           </a:p>
@@ -3400,6 +3401,268 @@
     <p:extLst>
       <p:ext uri="{BB962C8B-B14F-4D97-AF65-F5344CB8AC3E}">
         <p14:creationId xmlns:p14="http://schemas.microsoft.com/office/powerpoint/2010/main" val="1333789200"/>
+      </p:ext>
+    </p:extLst>
+  </p:cSld>
+  <p:clrMapOvr>
+    <a:masterClrMapping/>
+  </p:clrMapOvr>
+</p:sld>
+</file>
+
+<file path=ppt/slides/slide10.xml><?xml version="1.0" encoding="utf-8"?>
+<p:sld xmlns:a="http://schemas.openxmlformats.org/drawingml/2006/main" xmlns:r="http://schemas.openxmlformats.org/officeDocument/2006/relationships" xmlns:p="http://schemas.openxmlformats.org/presentationml/2006/main">
+  <p:cSld>
+    <p:spTree>
+      <p:nvGrpSpPr>
+        <p:cNvPr id="1" name="">
+          <a:extLst>
+            <a:ext uri="{FF2B5EF4-FFF2-40B4-BE49-F238E27FC236}">
+              <a16:creationId xmlns:a16="http://schemas.microsoft.com/office/drawing/2014/main" id="{7B216F61-435A-F578-6CFA-FDB6203DD512}"/>
+            </a:ext>
+          </a:extLst>
+        </p:cNvPr>
+        <p:cNvGrpSpPr/>
+        <p:nvPr/>
+      </p:nvGrpSpPr>
+      <p:grpSpPr>
+        <a:xfrm>
+          <a:off x="0" y="0"/>
+          <a:ext cx="0" cy="0"/>
+          <a:chOff x="0" y="0"/>
+          <a:chExt cx="0" cy="0"/>
+        </a:xfrm>
+      </p:grpSpPr>
+      <p:sp>
+        <p:nvSpPr>
+          <p:cNvPr id="2" name="Titel 1">
+            <a:extLst>
+              <a:ext uri="{FF2B5EF4-FFF2-40B4-BE49-F238E27FC236}">
+                <a16:creationId xmlns:a16="http://schemas.microsoft.com/office/drawing/2014/main" id="{3DF45AB8-4FED-7897-B3A6-D36955C43331}"/>
+              </a:ext>
+            </a:extLst>
+          </p:cNvPr>
+          <p:cNvSpPr>
+            <a:spLocks noGrp="1"/>
+          </p:cNvSpPr>
+          <p:nvPr>
+            <p:ph type="title"/>
+          </p:nvPr>
+        </p:nvSpPr>
+        <p:spPr/>
+        <p:txBody>
+          <a:bodyPr/>
+          <a:lstStyle/>
+          <a:p>
+            <a:r>
+              <a:rPr lang="en-US" dirty="0" err="1"/>
+              <a:t>Opruimen</a:t>
+            </a:r>
+            <a:r>
+              <a:rPr lang="en-US" dirty="0"/>
+              <a:t> </a:t>
+            </a:r>
+            <a:r>
+              <a:rPr lang="en-US" dirty="0">
+                <a:solidFill>
+                  <a:srgbClr val="FF0000"/>
+                </a:solidFill>
+              </a:rPr>
+              <a:t>branches</a:t>
+            </a:r>
+            <a:endParaRPr lang="nl-NL" dirty="0"/>
+          </a:p>
+        </p:txBody>
+      </p:sp>
+      <p:sp>
+        <p:nvSpPr>
+          <p:cNvPr id="3" name="Tijdelijke aanduiding voor inhoud 2">
+            <a:extLst>
+              <a:ext uri="{FF2B5EF4-FFF2-40B4-BE49-F238E27FC236}">
+                <a16:creationId xmlns:a16="http://schemas.microsoft.com/office/drawing/2014/main" id="{21BFA882-6CE5-5578-30F3-3C9D57BEA849}"/>
+              </a:ext>
+            </a:extLst>
+          </p:cNvPr>
+          <p:cNvSpPr>
+            <a:spLocks noGrp="1"/>
+          </p:cNvSpPr>
+          <p:nvPr>
+            <p:ph idx="1"/>
+          </p:nvPr>
+        </p:nvSpPr>
+        <p:spPr/>
+        <p:txBody>
+          <a:bodyPr>
+            <a:normAutofit lnSpcReduction="10000"/>
+          </a:bodyPr>
+          <a:lstStyle/>
+          <a:p>
+            <a:r>
+              <a:rPr lang="nl-NL" dirty="0"/>
+              <a:t>Zorg dat je lokale feature </a:t>
+            </a:r>
+            <a:r>
+              <a:rPr lang="nl-NL" dirty="0" err="1"/>
+              <a:t>branch</a:t>
+            </a:r>
+            <a:r>
+              <a:rPr lang="nl-NL" dirty="0"/>
+              <a:t> is verwijderd</a:t>
+            </a:r>
+          </a:p>
+          <a:p>
+            <a:pPr lvl="1"/>
+            <a:r>
+              <a:rPr lang="nl-NL" dirty="0">
+                <a:latin typeface="Courier New" panose="02070309020205020404" pitchFamily="49" charset="0"/>
+                <a:cs typeface="Courier New" panose="02070309020205020404" pitchFamily="49" charset="0"/>
+              </a:rPr>
+              <a:t>git </a:t>
+            </a:r>
+            <a:r>
+              <a:rPr lang="nl-NL" dirty="0" err="1">
+                <a:latin typeface="Courier New" panose="02070309020205020404" pitchFamily="49" charset="0"/>
+                <a:cs typeface="Courier New" panose="02070309020205020404" pitchFamily="49" charset="0"/>
+              </a:rPr>
+              <a:t>branch</a:t>
+            </a:r>
+            <a:r>
+              <a:rPr lang="nl-NL" dirty="0">
+                <a:latin typeface="Courier New" panose="02070309020205020404" pitchFamily="49" charset="0"/>
+                <a:cs typeface="Courier New" panose="02070309020205020404" pitchFamily="49" charset="0"/>
+              </a:rPr>
+              <a:t> -d &lt;</a:t>
+            </a:r>
+            <a:r>
+              <a:rPr lang="nl-NL" dirty="0" err="1">
+                <a:latin typeface="Courier New" panose="02070309020205020404" pitchFamily="49" charset="0"/>
+                <a:cs typeface="Courier New" panose="02070309020205020404" pitchFamily="49" charset="0"/>
+              </a:rPr>
+              <a:t>local-branch</a:t>
+            </a:r>
+            <a:r>
+              <a:rPr lang="nl-NL" dirty="0">
+                <a:latin typeface="Courier New" panose="02070309020205020404" pitchFamily="49" charset="0"/>
+                <a:cs typeface="Courier New" panose="02070309020205020404" pitchFamily="49" charset="0"/>
+              </a:rPr>
+              <a:t>&gt;</a:t>
+            </a:r>
+          </a:p>
+          <a:p>
+            <a:endParaRPr lang="nl-NL" dirty="0"/>
+          </a:p>
+          <a:p>
+            <a:r>
+              <a:rPr lang="nl-NL" dirty="0"/>
+              <a:t>Zorg dat in de online </a:t>
+            </a:r>
+            <a:r>
+              <a:rPr lang="nl-NL" dirty="0" err="1"/>
+              <a:t>repo</a:t>
+            </a:r>
+            <a:r>
+              <a:rPr lang="nl-NL" dirty="0"/>
+              <a:t> geen feature branches meer staan</a:t>
+            </a:r>
+          </a:p>
+          <a:p>
+            <a:pPr lvl="1"/>
+            <a:r>
+              <a:rPr lang="nl-NL" dirty="0">
+                <a:latin typeface="Courier New" panose="02070309020205020404" pitchFamily="49" charset="0"/>
+                <a:cs typeface="Courier New" panose="02070309020205020404" pitchFamily="49" charset="0"/>
+              </a:rPr>
+              <a:t>git push </a:t>
+            </a:r>
+            <a:r>
+              <a:rPr lang="nl-NL" dirty="0" err="1">
+                <a:latin typeface="Courier New" panose="02070309020205020404" pitchFamily="49" charset="0"/>
+                <a:cs typeface="Courier New" panose="02070309020205020404" pitchFamily="49" charset="0"/>
+              </a:rPr>
+              <a:t>origin</a:t>
+            </a:r>
+            <a:r>
+              <a:rPr lang="nl-NL" dirty="0">
+                <a:latin typeface="Courier New" panose="02070309020205020404" pitchFamily="49" charset="0"/>
+                <a:cs typeface="Courier New" panose="02070309020205020404" pitchFamily="49" charset="0"/>
+              </a:rPr>
+              <a:t> --delete &lt;remote-</a:t>
+            </a:r>
+            <a:r>
+              <a:rPr lang="nl-NL" dirty="0" err="1">
+                <a:latin typeface="Courier New" panose="02070309020205020404" pitchFamily="49" charset="0"/>
+                <a:cs typeface="Courier New" panose="02070309020205020404" pitchFamily="49" charset="0"/>
+              </a:rPr>
+              <a:t>branch</a:t>
+            </a:r>
+            <a:r>
+              <a:rPr lang="nl-NL" dirty="0">
+                <a:latin typeface="Courier New" panose="02070309020205020404" pitchFamily="49" charset="0"/>
+                <a:cs typeface="Courier New" panose="02070309020205020404" pitchFamily="49" charset="0"/>
+              </a:rPr>
+              <a:t>-name&gt;</a:t>
+            </a:r>
+          </a:p>
+          <a:p>
+            <a:endParaRPr lang="nl-NL" dirty="0"/>
+          </a:p>
+          <a:p>
+            <a:r>
+              <a:rPr lang="nl-NL" dirty="0"/>
+              <a:t>Controleer dit </a:t>
+            </a:r>
+          </a:p>
+          <a:p>
+            <a:pPr lvl="1"/>
+            <a:r>
+              <a:rPr lang="nl-NL" dirty="0"/>
+              <a:t>Online</a:t>
+            </a:r>
+          </a:p>
+          <a:p>
+            <a:pPr lvl="1"/>
+            <a:r>
+              <a:rPr lang="nl-NL" dirty="0"/>
+              <a:t>Lokaal</a:t>
+            </a:r>
+          </a:p>
+          <a:p>
+            <a:pPr lvl="2"/>
+            <a:r>
+              <a:rPr lang="nl-NL" dirty="0">
+                <a:latin typeface="Courier New" panose="02070309020205020404" pitchFamily="49" charset="0"/>
+                <a:cs typeface="Courier New" panose="02070309020205020404" pitchFamily="49" charset="0"/>
+              </a:rPr>
+              <a:t>git </a:t>
+            </a:r>
+            <a:r>
+              <a:rPr lang="nl-NL" dirty="0" err="1">
+                <a:latin typeface="Courier New" panose="02070309020205020404" pitchFamily="49" charset="0"/>
+                <a:cs typeface="Courier New" panose="02070309020205020404" pitchFamily="49" charset="0"/>
+              </a:rPr>
+              <a:t>branch</a:t>
+            </a:r>
+            <a:r>
+              <a:rPr lang="nl-NL" dirty="0">
+                <a:latin typeface="Courier New" panose="02070309020205020404" pitchFamily="49" charset="0"/>
+                <a:cs typeface="Courier New" panose="02070309020205020404" pitchFamily="49" charset="0"/>
+              </a:rPr>
+              <a:t> -l</a:t>
+            </a:r>
+          </a:p>
+          <a:p>
+            <a:pPr lvl="1"/>
+            <a:endParaRPr lang="nl-NL" dirty="0">
+              <a:latin typeface="Courier New" panose="02070309020205020404" pitchFamily="49" charset="0"/>
+              <a:cs typeface="Courier New" panose="02070309020205020404" pitchFamily="49" charset="0"/>
+            </a:endParaRPr>
+          </a:p>
+        </p:txBody>
+      </p:sp>
+    </p:spTree>
+    <p:extLst>
+      <p:ext uri="{BB962C8B-B14F-4D97-AF65-F5344CB8AC3E}">
+        <p14:creationId xmlns:p14="http://schemas.microsoft.com/office/powerpoint/2010/main" val="2980586130"/>
       </p:ext>
     </p:extLst>
   </p:cSld>
